--- a/Алгоритм А.pptx
+++ b/Алгоритм А.pptx
@@ -11116,7 +11116,7 @@
           <a:p>
             <a:fld id="{0C6B99DD-C3A1-4E43-82B5-7B1229FA4892}" type="datetimeFigureOut">
               <a:rPr lang="ru-RU" smtClean="0"/>
-              <a:t>24.01.2023</a:t>
+              <a:t>25.01.2023</a:t>
             </a:fld>
             <a:endParaRPr lang="ru-RU"/>
           </a:p>
@@ -11530,7 +11530,7 @@
           <a:p>
             <a:fld id="{17C7B0E4-3478-45CD-BA14-94BA3D5ED416}" type="datetime1">
               <a:rPr lang="ru-RU" smtClean="0"/>
-              <a:t>24.01.2023</a:t>
+              <a:t>25.01.2023</a:t>
             </a:fld>
             <a:endParaRPr lang="ru-RU"/>
           </a:p>
@@ -11728,7 +11728,7 @@
           <a:p>
             <a:fld id="{8AF6C618-DC4A-4DE4-9695-D8B423D93120}" type="datetime1">
               <a:rPr lang="ru-RU" smtClean="0"/>
-              <a:t>24.01.2023</a:t>
+              <a:t>25.01.2023</a:t>
             </a:fld>
             <a:endParaRPr lang="ru-RU"/>
           </a:p>
@@ -11936,7 +11936,7 @@
           <a:p>
             <a:fld id="{23B9F6F8-EE97-475C-9416-B898F9B8C4C9}" type="datetime1">
               <a:rPr lang="ru-RU" smtClean="0"/>
-              <a:t>24.01.2023</a:t>
+              <a:t>25.01.2023</a:t>
             </a:fld>
             <a:endParaRPr lang="ru-RU"/>
           </a:p>
@@ -12134,7 +12134,7 @@
           <a:p>
             <a:fld id="{BD17CA45-CD3F-43B5-A867-D7E3AA641EFC}" type="datetime1">
               <a:rPr lang="ru-RU" smtClean="0"/>
-              <a:t>24.01.2023</a:t>
+              <a:t>25.01.2023</a:t>
             </a:fld>
             <a:endParaRPr lang="ru-RU"/>
           </a:p>
@@ -12409,7 +12409,7 @@
           <a:p>
             <a:fld id="{A09041EF-F11C-4DBE-B446-EB690785ECD1}" type="datetime1">
               <a:rPr lang="ru-RU" smtClean="0"/>
-              <a:t>24.01.2023</a:t>
+              <a:t>25.01.2023</a:t>
             </a:fld>
             <a:endParaRPr lang="ru-RU"/>
           </a:p>
@@ -12674,7 +12674,7 @@
           <a:p>
             <a:fld id="{FBD4CC67-DBF0-4798-8AB0-D6C2EFF5322C}" type="datetime1">
               <a:rPr lang="ru-RU" smtClean="0"/>
-              <a:t>24.01.2023</a:t>
+              <a:t>25.01.2023</a:t>
             </a:fld>
             <a:endParaRPr lang="ru-RU"/>
           </a:p>
@@ -13086,7 +13086,7 @@
           <a:p>
             <a:fld id="{43FE6EF0-C5B2-41F4-8BA6-348B23B49BEA}" type="datetime1">
               <a:rPr lang="ru-RU" smtClean="0"/>
-              <a:t>24.01.2023</a:t>
+              <a:t>25.01.2023</a:t>
             </a:fld>
             <a:endParaRPr lang="ru-RU"/>
           </a:p>
@@ -13227,7 +13227,7 @@
           <a:p>
             <a:fld id="{C94ED3AF-DE4F-4CFC-A0F6-A597EC31DAF3}" type="datetime1">
               <a:rPr lang="ru-RU" smtClean="0"/>
-              <a:t>24.01.2023</a:t>
+              <a:t>25.01.2023</a:t>
             </a:fld>
             <a:endParaRPr lang="ru-RU"/>
           </a:p>
@@ -13340,7 +13340,7 @@
           <a:p>
             <a:fld id="{180A73D5-440D-47B5-8A8D-DE24648200BC}" type="datetime1">
               <a:rPr lang="ru-RU" smtClean="0"/>
-              <a:t>24.01.2023</a:t>
+              <a:t>25.01.2023</a:t>
             </a:fld>
             <a:endParaRPr lang="ru-RU"/>
           </a:p>
@@ -13651,7 +13651,7 @@
           <a:p>
             <a:fld id="{A4E60EF1-2005-49D4-918B-82D3A1D0FC93}" type="datetime1">
               <a:rPr lang="ru-RU" smtClean="0"/>
-              <a:t>24.01.2023</a:t>
+              <a:t>25.01.2023</a:t>
             </a:fld>
             <a:endParaRPr lang="ru-RU"/>
           </a:p>
@@ -13939,7 +13939,7 @@
           <a:p>
             <a:fld id="{039E2A4B-3FDB-4D3B-A0C0-DAF6BCD00FBF}" type="datetime1">
               <a:rPr lang="ru-RU" smtClean="0"/>
-              <a:t>24.01.2023</a:t>
+              <a:t>25.01.2023</a:t>
             </a:fld>
             <a:endParaRPr lang="ru-RU"/>
           </a:p>
@@ -14180,7 +14180,7 @@
           <a:p>
             <a:fld id="{C7B7970A-B3E4-4404-AF38-B4515F7453A9}" type="datetime1">
               <a:rPr lang="ru-RU" smtClean="0"/>
-              <a:t>24.01.2023</a:t>
+              <a:t>25.01.2023</a:t>
             </a:fld>
             <a:endParaRPr lang="ru-RU"/>
           </a:p>
@@ -15695,8 +15695,8 @@
           <a:chExt cx="0" cy="0"/>
         </a:xfrm>
       </p:grpSpPr>
-      <mc:AlternateContent xmlns:mc="http://schemas.openxmlformats.org/markup-compatibility/2006">
-        <mc:Choice xmlns:a14="http://schemas.microsoft.com/office/drawing/2010/main" Requires="a14">
+      <mc:AlternateContent xmlns:mc="http://schemas.openxmlformats.org/markup-compatibility/2006" xmlns:a14="http://schemas.microsoft.com/office/drawing/2010/main">
+        <mc:Choice Requires="a14">
           <p:sp>
             <p:nvSpPr>
               <p:cNvPr id="4" name="TextBox 3">
@@ -16427,7 +16427,7 @@
             </p:txBody>
           </p:sp>
         </mc:Choice>
-        <mc:Fallback>
+        <mc:Fallback xmlns="">
           <p:sp>
             <p:nvSpPr>
               <p:cNvPr id="4" name="TextBox 3">
@@ -32004,8 +32004,8 @@
             </p:nvSpPr>
             <p:spPr>
               <a:xfrm>
-                <a:off x="695326" y="2139130"/>
-                <a:ext cx="5674478" cy="4401205"/>
+                <a:off x="695325" y="1632716"/>
+                <a:ext cx="5941958" cy="4955203"/>
               </a:xfrm>
               <a:prstGeom prst="rect">
                 <a:avLst/>
@@ -32034,7 +32034,7 @@
                 </a:r>
               </a:p>
               <a:p>
-                <a:endParaRPr lang="ru-RU" sz="2000" dirty="0">
+                <a:endParaRPr lang="ru-RU" sz="1200" dirty="0">
                   <a:latin typeface="Arial" panose="020B0604020202020204" pitchFamily="34" charset="0"/>
                   <a:cs typeface="Arial" panose="020B0604020202020204" pitchFamily="34" charset="0"/>
                 </a:endParaRPr>
@@ -32179,11 +32179,26 @@
               </a:p>
               <a:p>
                 <a:r>
+                  <a:rPr lang="ru-RU" sz="2000" i="1" dirty="0">
+                    <a:latin typeface="Arial" panose="020B0604020202020204" pitchFamily="34" charset="0"/>
+                    <a:cs typeface="Arial" panose="020B0604020202020204" pitchFamily="34" charset="0"/>
+                  </a:rPr>
+                  <a:t>Разница:</a:t>
+                </a:r>
+              </a:p>
+              <a:p>
+                <a:endParaRPr lang="ru-RU" sz="1200" dirty="0">
+                  <a:latin typeface="Arial" panose="020B0604020202020204" pitchFamily="34" charset="0"/>
+                  <a:cs typeface="Arial" panose="020B0604020202020204" pitchFamily="34" charset="0"/>
+                </a:endParaRPr>
+              </a:p>
+              <a:p>
+                <a:r>
                   <a:rPr lang="ru-RU" sz="2000" dirty="0">
                     <a:latin typeface="Arial" panose="020B0604020202020204" pitchFamily="34" charset="0"/>
                     <a:cs typeface="Arial" panose="020B0604020202020204" pitchFamily="34" charset="0"/>
                   </a:rPr>
-                  <a:t>Разница по количеству итераций </a:t>
+                  <a:t>по количеству итераций </a:t>
                 </a:r>
                 <a14:m>
                   <m:oMath xmlns:m="http://schemas.openxmlformats.org/officeDocument/2006/math">
@@ -32221,7 +32236,7 @@
                     <a:latin typeface="Arial" panose="020B0604020202020204" pitchFamily="34" charset="0"/>
                     <a:cs typeface="Arial" panose="020B0604020202020204" pitchFamily="34" charset="0"/>
                   </a:rPr>
-                  <a:t>Разница по потраченному времени </a:t>
+                  <a:t>по времени </a:t>
                 </a:r>
                 <a14:m>
                   <m:oMath xmlns:m="http://schemas.openxmlformats.org/officeDocument/2006/math">
@@ -32261,12 +32276,18 @@
               </a:p>
               <a:p>
                 <a:r>
-                  <a:rPr lang="ru-RU" sz="2000" dirty="0">
+                  <a:rPr lang="ru-RU" sz="2000" i="1" dirty="0">
                     <a:latin typeface="Arial" panose="020B0604020202020204" pitchFamily="34" charset="0"/>
                     <a:cs typeface="Arial" panose="020B0604020202020204" pitchFamily="34" charset="0"/>
                   </a:rPr>
-                  <a:t>Результат обусловлен тем, что </a:t>
+                  <a:t>Эффективность:</a:t>
                 </a:r>
+              </a:p>
+              <a:p>
+                <a:endParaRPr lang="ru-RU" sz="1200" dirty="0">
+                  <a:latin typeface="Arial" panose="020B0604020202020204" pitchFamily="34" charset="0"/>
+                  <a:cs typeface="Arial" panose="020B0604020202020204" pitchFamily="34" charset="0"/>
+                </a:endParaRPr>
               </a:p>
               <a:p>
                 <a:r>
@@ -32274,7 +32295,7 @@
                     <a:latin typeface="Arial" panose="020B0604020202020204" pitchFamily="34" charset="0"/>
                     <a:cs typeface="Arial" panose="020B0604020202020204" pitchFamily="34" charset="0"/>
                   </a:rPr>
-                  <a:t>алгоритму </a:t>
+                  <a:t>алгоритм </a:t>
                 </a:r>
                 <a:r>
                   <a:rPr lang="ru-RU" sz="2000" dirty="0" err="1">
@@ -32288,7 +32309,7 @@
                     <a:latin typeface="Arial" panose="020B0604020202020204" pitchFamily="34" charset="0"/>
                     <a:cs typeface="Arial" panose="020B0604020202020204" pitchFamily="34" charset="0"/>
                   </a:rPr>
-                  <a:t> необходимо проверить все вершины, а алгоритм А* проверяет то, что находится в сторону конечной вершины</a:t>
+                  <a:t> – проверяет все вершины алгоритм А* – только вершины в направлении 	           			          конечной</a:t>
                 </a:r>
               </a:p>
             </p:txBody>
@@ -32311,8 +32332,8 @@
             </p:nvSpPr>
             <p:spPr>
               <a:xfrm>
-                <a:off x="695326" y="2139130"/>
-                <a:ext cx="5674478" cy="4401205"/>
+                <a:off x="695325" y="1632716"/>
+                <a:ext cx="5941958" cy="4955203"/>
               </a:xfrm>
               <a:prstGeom prst="rect">
                 <a:avLst/>
@@ -32320,7 +32341,7 @@
               <a:blipFill>
                 <a:blip r:embed="rId2"/>
                 <a:stretch>
-                  <a:fillRect l="-1074" t="-693" r="-2041" b="-1662"/>
+                  <a:fillRect l="-1026" t="-615" b="-1353"/>
                 </a:stretch>
               </a:blipFill>
             </p:spPr>
@@ -32771,8 +32792,8 @@
             </p:nvSpPr>
             <p:spPr>
               <a:xfrm>
-                <a:off x="695325" y="2139130"/>
-                <a:ext cx="5400675" cy="3477875"/>
+                <a:off x="695324" y="1638432"/>
+                <a:ext cx="5400675" cy="4431983"/>
               </a:xfrm>
               <a:prstGeom prst="rect">
                 <a:avLst/>
@@ -32801,7 +32822,7 @@
                 </a:r>
               </a:p>
               <a:p>
-                <a:endParaRPr lang="ru-RU" sz="2000" dirty="0">
+                <a:endParaRPr lang="ru-RU" sz="1200" dirty="0">
                   <a:latin typeface="Arial" panose="020B0604020202020204" pitchFamily="34" charset="0"/>
                   <a:cs typeface="Arial" panose="020B0604020202020204" pitchFamily="34" charset="0"/>
                 </a:endParaRPr>
@@ -33012,11 +33033,26 @@
               </a:p>
               <a:p>
                 <a:r>
+                  <a:rPr lang="ru-RU" sz="2000" i="1" dirty="0">
+                    <a:latin typeface="Arial" panose="020B0604020202020204" pitchFamily="34" charset="0"/>
+                    <a:cs typeface="Arial" panose="020B0604020202020204" pitchFamily="34" charset="0"/>
+                  </a:rPr>
+                  <a:t>Разница:</a:t>
+                </a:r>
+              </a:p>
+              <a:p>
+                <a:endParaRPr lang="ru-RU" sz="1200" i="1" dirty="0">
+                  <a:latin typeface="Arial" panose="020B0604020202020204" pitchFamily="34" charset="0"/>
+                  <a:cs typeface="Arial" panose="020B0604020202020204" pitchFamily="34" charset="0"/>
+                </a:endParaRPr>
+              </a:p>
+              <a:p>
+                <a:r>
                   <a:rPr lang="ru-RU" sz="2000" dirty="0">
                     <a:latin typeface="Arial" panose="020B0604020202020204" pitchFamily="34" charset="0"/>
                     <a:cs typeface="Arial" panose="020B0604020202020204" pitchFamily="34" charset="0"/>
                   </a:rPr>
-                  <a:t>Разница по количеству итераций </a:t>
+                  <a:t>по количеству итераций </a:t>
                 </a:r>
                 <a14:m>
                   <m:oMath xmlns:m="http://schemas.openxmlformats.org/officeDocument/2006/math">
@@ -33047,7 +33083,7 @@
                     <a:latin typeface="Arial" panose="020B0604020202020204" pitchFamily="34" charset="0"/>
                     <a:cs typeface="Arial" panose="020B0604020202020204" pitchFamily="34" charset="0"/>
                   </a:rPr>
-                  <a:t>Разница по потраченному времени </a:t>
+                  <a:t>по времени </a:t>
                 </a:r>
                 <a14:m>
                   <m:oMath xmlns:m="http://schemas.openxmlformats.org/officeDocument/2006/math">
@@ -33080,11 +33116,26 @@
               </a:p>
               <a:p>
                 <a:r>
+                  <a:rPr lang="ru-RU" sz="2000" i="1" dirty="0">
+                    <a:latin typeface="Arial" panose="020B0604020202020204" pitchFamily="34" charset="0"/>
+                    <a:cs typeface="Arial" panose="020B0604020202020204" pitchFamily="34" charset="0"/>
+                  </a:rPr>
+                  <a:t>Эффективность:</a:t>
+                </a:r>
+              </a:p>
+              <a:p>
+                <a:endParaRPr lang="ru-RU" sz="1200" dirty="0">
+                  <a:latin typeface="Arial" panose="020B0604020202020204" pitchFamily="34" charset="0"/>
+                  <a:cs typeface="Arial" panose="020B0604020202020204" pitchFamily="34" charset="0"/>
+                </a:endParaRPr>
+              </a:p>
+              <a:p>
+                <a:r>
                   <a:rPr lang="ru-RU" sz="2000" dirty="0">
                     <a:latin typeface="Arial" panose="020B0604020202020204" pitchFamily="34" charset="0"/>
                     <a:cs typeface="Arial" panose="020B0604020202020204" pitchFamily="34" charset="0"/>
                   </a:rPr>
-                  <a:t>Результат зависит от сложности поля</a:t>
+                  <a:t>зависит от сложности поля</a:t>
                 </a:r>
               </a:p>
             </p:txBody>
@@ -33107,8 +33158,8 @@
             </p:nvSpPr>
             <p:spPr>
               <a:xfrm>
-                <a:off x="695325" y="2139130"/>
-                <a:ext cx="5400675" cy="3477875"/>
+                <a:off x="695324" y="1638432"/>
+                <a:ext cx="5400675" cy="4431983"/>
               </a:xfrm>
               <a:prstGeom prst="rect">
                 <a:avLst/>
@@ -33116,7 +33167,7 @@
               <a:blipFill>
                 <a:blip r:embed="rId4"/>
                 <a:stretch>
-                  <a:fillRect l="-1129" t="-877" b="-2456"/>
+                  <a:fillRect l="-1129" t="-688"/>
                 </a:stretch>
               </a:blipFill>
             </p:spPr>
@@ -33511,8 +33562,8 @@
             </p:nvSpPr>
             <p:spPr>
               <a:xfrm>
-                <a:off x="695325" y="2139130"/>
-                <a:ext cx="5400675" cy="4401205"/>
+                <a:off x="695324" y="1632716"/>
+                <a:ext cx="5400675" cy="4339650"/>
               </a:xfrm>
               <a:prstGeom prst="rect">
                 <a:avLst/>
@@ -33541,7 +33592,7 @@
                 </a:r>
               </a:p>
               <a:p>
-                <a:endParaRPr lang="ru-RU" sz="2000" dirty="0">
+                <a:endParaRPr lang="ru-RU" sz="1200" dirty="0">
                   <a:latin typeface="Arial" panose="020B0604020202020204" pitchFamily="34" charset="0"/>
                   <a:cs typeface="Arial" panose="020B0604020202020204" pitchFamily="34" charset="0"/>
                 </a:endParaRPr>
@@ -33715,11 +33766,26 @@
               </a:p>
               <a:p>
                 <a:r>
+                  <a:rPr lang="ru-RU" sz="2000" i="1" dirty="0">
+                    <a:latin typeface="Arial" panose="020B0604020202020204" pitchFamily="34" charset="0"/>
+                    <a:cs typeface="Arial" panose="020B0604020202020204" pitchFamily="34" charset="0"/>
+                  </a:rPr>
+                  <a:t>Разница:</a:t>
+                </a:r>
+              </a:p>
+              <a:p>
+                <a:endParaRPr lang="ru-RU" sz="1200" i="1" dirty="0">
+                  <a:latin typeface="Arial" panose="020B0604020202020204" pitchFamily="34" charset="0"/>
+                  <a:cs typeface="Arial" panose="020B0604020202020204" pitchFamily="34" charset="0"/>
+                </a:endParaRPr>
+              </a:p>
+              <a:p>
+                <a:r>
                   <a:rPr lang="ru-RU" sz="2000" dirty="0">
                     <a:latin typeface="Arial" panose="020B0604020202020204" pitchFamily="34" charset="0"/>
                     <a:cs typeface="Arial" panose="020B0604020202020204" pitchFamily="34" charset="0"/>
                   </a:rPr>
-                  <a:t>Разница по количеству итераций </a:t>
+                  <a:t>по количеству итераций </a:t>
                 </a:r>
                 <a14:m>
                   <m:oMath xmlns:m="http://schemas.openxmlformats.org/officeDocument/2006/math">
@@ -33750,7 +33816,7 @@
                     <a:latin typeface="Arial" panose="020B0604020202020204" pitchFamily="34" charset="0"/>
                     <a:cs typeface="Arial" panose="020B0604020202020204" pitchFamily="34" charset="0"/>
                   </a:rPr>
-                  <a:t>Разница по потраченному времени </a:t>
+                  <a:t>по времени </a:t>
                 </a:r>
                 <a:r>
                   <a:rPr lang="en-US" sz="2000" dirty="0">
@@ -33783,12 +33849,18 @@
               </a:p>
               <a:p>
                 <a:r>
-                  <a:rPr lang="ru-RU" sz="2000" dirty="0">
+                  <a:rPr lang="ru-RU" sz="2000" i="1" dirty="0">
                     <a:latin typeface="Arial" panose="020B0604020202020204" pitchFamily="34" charset="0"/>
                     <a:cs typeface="Arial" panose="020B0604020202020204" pitchFamily="34" charset="0"/>
                   </a:rPr>
-                  <a:t>Результат обусловлен тем, </a:t>
+                  <a:t>Эффективность:</a:t>
                 </a:r>
+              </a:p>
+              <a:p>
+                <a:endParaRPr lang="ru-RU" sz="1200" i="1" dirty="0">
+                  <a:latin typeface="Arial" panose="020B0604020202020204" pitchFamily="34" charset="0"/>
+                  <a:cs typeface="Arial" panose="020B0604020202020204" pitchFamily="34" charset="0"/>
+                </a:endParaRPr>
               </a:p>
               <a:p>
                 <a:r>
@@ -33796,21 +33868,7 @@
                     <a:latin typeface="Arial" panose="020B0604020202020204" pitchFamily="34" charset="0"/>
                     <a:cs typeface="Arial" panose="020B0604020202020204" pitchFamily="34" charset="0"/>
                   </a:rPr>
-                  <a:t>что Алгоритм А*, в поисках кратчайшего пути, посещает все вершины как алгоритм </a:t>
-                </a:r>
-                <a:r>
-                  <a:rPr lang="ru-RU" sz="2000" dirty="0" err="1">
-                    <a:latin typeface="Arial" panose="020B0604020202020204" pitchFamily="34" charset="0"/>
-                    <a:cs typeface="Arial" panose="020B0604020202020204" pitchFamily="34" charset="0"/>
-                  </a:rPr>
-                  <a:t>Дейкстры</a:t>
-                </a:r>
-                <a:r>
-                  <a:rPr lang="ru-RU" sz="2000" dirty="0">
-                    <a:latin typeface="Arial" panose="020B0604020202020204" pitchFamily="34" charset="0"/>
-                    <a:cs typeface="Arial" panose="020B0604020202020204" pitchFamily="34" charset="0"/>
-                  </a:rPr>
-                  <a:t> </a:t>
+                  <a:t>Оба алгоритма посещают все вершины</a:t>
                 </a:r>
               </a:p>
             </p:txBody>
@@ -33833,8 +33891,8 @@
             </p:nvSpPr>
             <p:spPr>
               <a:xfrm>
-                <a:off x="695325" y="2139130"/>
-                <a:ext cx="5400675" cy="4401205"/>
+                <a:off x="695324" y="1632716"/>
+                <a:ext cx="5400675" cy="4339650"/>
               </a:xfrm>
               <a:prstGeom prst="rect">
                 <a:avLst/>
@@ -33842,7 +33900,7 @@
               <a:blipFill>
                 <a:blip r:embed="rId4"/>
                 <a:stretch>
-                  <a:fillRect l="-1129" t="-693" b="-1662"/>
+                  <a:fillRect l="-1129" t="-702" b="-1685"/>
                 </a:stretch>
               </a:blipFill>
             </p:spPr>
@@ -34181,8 +34239,8 @@
             </p:nvSpPr>
             <p:spPr>
               <a:xfrm>
-                <a:off x="695325" y="2139130"/>
-                <a:ext cx="5400675" cy="4401205"/>
+                <a:off x="695325" y="1634487"/>
+                <a:ext cx="5400675" cy="4431983"/>
               </a:xfrm>
               <a:prstGeom prst="rect">
                 <a:avLst/>
@@ -34211,7 +34269,7 @@
                 </a:r>
               </a:p>
               <a:p>
-                <a:endParaRPr lang="ru-RU" sz="2000" dirty="0">
+                <a:endParaRPr lang="ru-RU" sz="1200" dirty="0">
                   <a:latin typeface="Arial" panose="020B0604020202020204" pitchFamily="34" charset="0"/>
                   <a:cs typeface="Arial" panose="020B0604020202020204" pitchFamily="34" charset="0"/>
                 </a:endParaRPr>
@@ -34387,11 +34445,26 @@
               </a:p>
               <a:p>
                 <a:r>
+                  <a:rPr lang="ru-RU" sz="2000" i="1" dirty="0">
+                    <a:latin typeface="Arial" panose="020B0604020202020204" pitchFamily="34" charset="0"/>
+                    <a:cs typeface="Arial" panose="020B0604020202020204" pitchFamily="34" charset="0"/>
+                  </a:rPr>
+                  <a:t>Разница:</a:t>
+                </a:r>
+              </a:p>
+              <a:p>
+                <a:endParaRPr lang="ru-RU" sz="1200" dirty="0">
+                  <a:latin typeface="Arial" panose="020B0604020202020204" pitchFamily="34" charset="0"/>
+                  <a:cs typeface="Arial" panose="020B0604020202020204" pitchFamily="34" charset="0"/>
+                </a:endParaRPr>
+              </a:p>
+              <a:p>
+                <a:r>
                   <a:rPr lang="ru-RU" sz="2000" dirty="0">
                     <a:latin typeface="Arial" panose="020B0604020202020204" pitchFamily="34" charset="0"/>
                     <a:cs typeface="Arial" panose="020B0604020202020204" pitchFamily="34" charset="0"/>
                   </a:rPr>
-                  <a:t>Разница по количеству итераций </a:t>
+                  <a:t>по количеству итераций </a:t>
                 </a:r>
                 <a14:m>
                   <m:oMath xmlns:m="http://schemas.openxmlformats.org/officeDocument/2006/math">
@@ -34429,7 +34502,7 @@
                     <a:latin typeface="Arial" panose="020B0604020202020204" pitchFamily="34" charset="0"/>
                     <a:cs typeface="Arial" panose="020B0604020202020204" pitchFamily="34" charset="0"/>
                   </a:rPr>
-                  <a:t>Разница по потраченному времени </a:t>
+                  <a:t>по времени </a:t>
                 </a:r>
                 <a14:m>
                   <m:oMath xmlns:m="http://schemas.openxmlformats.org/officeDocument/2006/math">
@@ -34469,12 +34542,18 @@
               </a:p>
               <a:p>
                 <a:r>
-                  <a:rPr lang="ru-RU" sz="2000" dirty="0">
+                  <a:rPr lang="ru-RU" sz="2000" i="1" dirty="0">
                     <a:latin typeface="Arial" panose="020B0604020202020204" pitchFamily="34" charset="0"/>
                     <a:cs typeface="Arial" panose="020B0604020202020204" pitchFamily="34" charset="0"/>
                   </a:rPr>
-                  <a:t>Результат зависит от сложности лабиринта. </a:t>
+                  <a:t>Эффективность:</a:t>
                 </a:r>
+              </a:p>
+              <a:p>
+                <a:endParaRPr lang="ru-RU" sz="1200" i="1" dirty="0">
+                  <a:latin typeface="Arial" panose="020B0604020202020204" pitchFamily="34" charset="0"/>
+                  <a:cs typeface="Arial" panose="020B0604020202020204" pitchFamily="34" charset="0"/>
+                </a:endParaRPr>
               </a:p>
               <a:p>
                 <a:r>
@@ -34482,19 +34561,8 @@
                     <a:latin typeface="Arial" panose="020B0604020202020204" pitchFamily="34" charset="0"/>
                     <a:cs typeface="Arial" panose="020B0604020202020204" pitchFamily="34" charset="0"/>
                   </a:rPr>
-                  <a:t>Если Алгоритм А* сможет найти выход быстро, то Алгоритм А* будет лучше, чем Алгоритм </a:t>
+                  <a:t>зависит от сложности лабиринта. </a:t>
                 </a:r>
-                <a:r>
-                  <a:rPr lang="ru-RU" sz="2000" dirty="0" err="1">
-                    <a:latin typeface="Arial" panose="020B0604020202020204" pitchFamily="34" charset="0"/>
-                    <a:cs typeface="Arial" panose="020B0604020202020204" pitchFamily="34" charset="0"/>
-                  </a:rPr>
-                  <a:t>Дейкстры</a:t>
-                </a:r>
-                <a:endParaRPr lang="ru-RU" sz="2000" dirty="0">
-                  <a:latin typeface="Arial" panose="020B0604020202020204" pitchFamily="34" charset="0"/>
-                  <a:cs typeface="Arial" panose="020B0604020202020204" pitchFamily="34" charset="0"/>
-                </a:endParaRPr>
               </a:p>
             </p:txBody>
           </p:sp>
@@ -34516,8 +34584,8 @@
             </p:nvSpPr>
             <p:spPr>
               <a:xfrm>
-                <a:off x="695325" y="2139130"/>
-                <a:ext cx="5400675" cy="4401205"/>
+                <a:off x="695325" y="1634487"/>
+                <a:ext cx="5400675" cy="4431983"/>
               </a:xfrm>
               <a:prstGeom prst="rect">
                 <a:avLst/>
@@ -34525,7 +34593,7 @@
               <a:blipFill>
                 <a:blip r:embed="rId2"/>
                 <a:stretch>
-                  <a:fillRect l="-1129" t="-693" r="-1693" b="-1662"/>
+                  <a:fillRect l="-1129" t="-550"/>
                 </a:stretch>
               </a:blipFill>
             </p:spPr>
@@ -35415,8 +35483,8 @@
             </p:nvSpPr>
             <p:spPr>
               <a:xfrm>
-                <a:off x="695325" y="2139130"/>
-                <a:ext cx="5400675" cy="4401205"/>
+                <a:off x="695325" y="1634643"/>
+                <a:ext cx="5847365" cy="5078313"/>
               </a:xfrm>
               <a:prstGeom prst="rect">
                 <a:avLst/>
@@ -35445,7 +35513,7 @@
                 </a:r>
               </a:p>
               <a:p>
-                <a:endParaRPr lang="ru-RU" sz="2000" dirty="0">
+                <a:endParaRPr lang="ru-RU" sz="1200" dirty="0">
                   <a:latin typeface="Arial" panose="020B0604020202020204" pitchFamily="34" charset="0"/>
                   <a:cs typeface="Arial" panose="020B0604020202020204" pitchFamily="34" charset="0"/>
                 </a:endParaRPr>
@@ -35583,21 +35651,7 @@
                         <a:latin typeface="Cambria Math" panose="02040503050406030204" pitchFamily="18" charset="0"/>
                         <a:cs typeface="Arial" panose="020B0604020202020204" pitchFamily="34" charset="0"/>
                       </a:rPr>
-                      <m:t>29</m:t>
-                    </m:r>
-                    <m:r>
-                      <a:rPr lang="ru-RU" sz="2000" b="0" i="1" dirty="0" smtClean="0">
-                        <a:latin typeface="Cambria Math" panose="02040503050406030204" pitchFamily="18" charset="0"/>
-                        <a:cs typeface="Arial" panose="020B0604020202020204" pitchFamily="34" charset="0"/>
-                      </a:rPr>
-                      <m:t>;</m:t>
-                    </m:r>
-                    <m:r>
-                      <a:rPr lang="ru-RU" sz="2000" b="0" i="1" dirty="0" smtClean="0">
-                        <a:latin typeface="Cambria Math" panose="02040503050406030204" pitchFamily="18" charset="0"/>
-                        <a:cs typeface="Arial" panose="020B0604020202020204" pitchFamily="34" charset="0"/>
-                      </a:rPr>
-                      <m:t>29</m:t>
+                      <m:t>29;29</m:t>
                     </m:r>
                     <m:r>
                       <a:rPr lang="ru-RU" sz="2000" i="1" dirty="0" smtClean="0">
@@ -35621,11 +35675,26 @@
               </a:p>
               <a:p>
                 <a:r>
+                  <a:rPr lang="ru-RU" sz="2000" i="1" dirty="0">
+                    <a:latin typeface="Arial" panose="020B0604020202020204" pitchFamily="34" charset="0"/>
+                    <a:cs typeface="Arial" panose="020B0604020202020204" pitchFamily="34" charset="0"/>
+                  </a:rPr>
+                  <a:t>Разница:</a:t>
+                </a:r>
+              </a:p>
+              <a:p>
+                <a:endParaRPr lang="ru-RU" sz="1200" i="1" dirty="0">
+                  <a:latin typeface="Arial" panose="020B0604020202020204" pitchFamily="34" charset="0"/>
+                  <a:cs typeface="Arial" panose="020B0604020202020204" pitchFamily="34" charset="0"/>
+                </a:endParaRPr>
+              </a:p>
+              <a:p>
+                <a:r>
                   <a:rPr lang="ru-RU" sz="2000" dirty="0">
                     <a:latin typeface="Arial" panose="020B0604020202020204" pitchFamily="34" charset="0"/>
                     <a:cs typeface="Arial" panose="020B0604020202020204" pitchFamily="34" charset="0"/>
                   </a:rPr>
-                  <a:t>Разница по количеству итераций </a:t>
+                  <a:t>по количеству итераций </a:t>
                 </a:r>
                 <a14:m>
                   <m:oMath xmlns:m="http://schemas.openxmlformats.org/officeDocument/2006/math">
@@ -35663,7 +35732,7 @@
                     <a:latin typeface="Arial" panose="020B0604020202020204" pitchFamily="34" charset="0"/>
                     <a:cs typeface="Arial" panose="020B0604020202020204" pitchFamily="34" charset="0"/>
                   </a:rPr>
-                  <a:t>Разница по потраченному времени </a:t>
+                  <a:t>по времени </a:t>
                 </a:r>
                 <a14:m>
                   <m:oMath xmlns:m="http://schemas.openxmlformats.org/officeDocument/2006/math">
@@ -35703,12 +35772,18 @@
               </a:p>
               <a:p>
                 <a:r>
-                  <a:rPr lang="ru-RU" sz="2000" dirty="0">
+                  <a:rPr lang="ru-RU" sz="2000" i="1" dirty="0">
                     <a:latin typeface="Arial" panose="020B0604020202020204" pitchFamily="34" charset="0"/>
                     <a:cs typeface="Arial" panose="020B0604020202020204" pitchFamily="34" charset="0"/>
                   </a:rPr>
-                  <a:t>Результат обусловлен тем, что алгоритм А* стремится к конечной точке, когда </a:t>
+                  <a:t>Эффективность:</a:t>
                 </a:r>
+              </a:p>
+              <a:p>
+                <a:endParaRPr lang="ru-RU" sz="1200" i="1" dirty="0">
+                  <a:latin typeface="Arial" panose="020B0604020202020204" pitchFamily="34" charset="0"/>
+                  <a:cs typeface="Arial" panose="020B0604020202020204" pitchFamily="34" charset="0"/>
+                </a:endParaRPr>
               </a:p>
               <a:p>
                 <a:r>
@@ -35716,7 +35791,7 @@
                     <a:latin typeface="Arial" panose="020B0604020202020204" pitchFamily="34" charset="0"/>
                     <a:cs typeface="Arial" panose="020B0604020202020204" pitchFamily="34" charset="0"/>
                   </a:rPr>
-                  <a:t>алгоритм </a:t>
+                  <a:t>алгоритм А* – стремится к конечной вершине алгоритм </a:t>
                 </a:r>
                 <a:r>
                   <a:rPr lang="ru-RU" sz="2000" dirty="0" err="1">
@@ -35730,7 +35805,7 @@
                     <a:latin typeface="Arial" panose="020B0604020202020204" pitchFamily="34" charset="0"/>
                     <a:cs typeface="Arial" panose="020B0604020202020204" pitchFamily="34" charset="0"/>
                   </a:rPr>
-                  <a:t> посещает все доступные вершины</a:t>
+                  <a:t> – посещает все доступные 				           вершины</a:t>
                 </a:r>
               </a:p>
             </p:txBody>
@@ -35753,8 +35828,8 @@
             </p:nvSpPr>
             <p:spPr>
               <a:xfrm>
-                <a:off x="695325" y="2139130"/>
-                <a:ext cx="5400675" cy="4401205"/>
+                <a:off x="695325" y="1634643"/>
+                <a:ext cx="5847365" cy="5078313"/>
               </a:xfrm>
               <a:prstGeom prst="rect">
                 <a:avLst/>
@@ -35762,7 +35837,7 @@
               <a:blipFill>
                 <a:blip r:embed="rId2"/>
                 <a:stretch>
-                  <a:fillRect l="-1129" t="-693" r="-903" b="-1662"/>
+                  <a:fillRect l="-1043" t="-480"/>
                 </a:stretch>
               </a:blipFill>
             </p:spPr>
@@ -36127,8 +36202,8 @@
         </p:blipFill>
         <p:spPr>
           <a:xfrm>
-            <a:off x="8287801" y="2308597"/>
-            <a:ext cx="2688940" cy="437213"/>
+            <a:off x="6652138" y="3542233"/>
+            <a:ext cx="958666" cy="437213"/>
           </a:xfrm>
           <a:prstGeom prst="rect">
             <a:avLst/>
@@ -36157,8 +36232,8 @@
         </p:blipFill>
         <p:spPr>
           <a:xfrm>
-            <a:off x="7513977" y="3908675"/>
-            <a:ext cx="3277520" cy="482022"/>
+            <a:off x="6554514" y="5162016"/>
+            <a:ext cx="1635672" cy="482022"/>
           </a:xfrm>
           <a:prstGeom prst="rect">
             <a:avLst/>
@@ -36216,7 +36291,7 @@
         <p:spPr>
           <a:xfrm>
             <a:off x="695325" y="2139130"/>
-            <a:ext cx="10801349" cy="2862322"/>
+            <a:ext cx="11286468" cy="3600986"/>
           </a:xfrm>
           <a:prstGeom prst="rect">
             <a:avLst/>
@@ -36230,12 +36305,18 @@
           <a:lstStyle/>
           <a:p>
             <a:r>
-              <a:rPr lang="ru-RU" sz="3600" dirty="0">
+              <a:rPr lang="ru-RU" sz="3600" i="1" dirty="0">
                 <a:latin typeface="Arial" panose="020B0604020202020204" pitchFamily="34" charset="0"/>
                 <a:cs typeface="Arial" panose="020B0604020202020204" pitchFamily="34" charset="0"/>
               </a:rPr>
-              <a:t>Если ситуация требует посещения всех вершин, 	то выгоднее будет использовать </a:t>
+              <a:t>Предпочтительнее использовать:</a:t>
             </a:r>
+          </a:p>
+          <a:p>
+            <a:endParaRPr lang="ru-RU" sz="1200" dirty="0">
+              <a:latin typeface="Arial" panose="020B0604020202020204" pitchFamily="34" charset="0"/>
+              <a:cs typeface="Arial" panose="020B0604020202020204" pitchFamily="34" charset="0"/>
+            </a:endParaRPr>
           </a:p>
           <a:p>
             <a:r>
@@ -36243,7 +36324,7 @@
                 <a:latin typeface="Arial" panose="020B0604020202020204" pitchFamily="34" charset="0"/>
                 <a:cs typeface="Arial" panose="020B0604020202020204" pitchFamily="34" charset="0"/>
               </a:rPr>
-              <a:t>	алгоритм </a:t>
+              <a:t>алгоритм </a:t>
             </a:r>
             <a:r>
               <a:rPr lang="ru-RU" sz="3600" dirty="0" err="1">
@@ -36252,13 +36333,25 @@
               </a:rPr>
               <a:t>Дейкстры</a:t>
             </a:r>
+            <a:endParaRPr lang="ru-RU" sz="3600" dirty="0">
+              <a:latin typeface="Arial" panose="020B0604020202020204" pitchFamily="34" charset="0"/>
+              <a:cs typeface="Arial" panose="020B0604020202020204" pitchFamily="34" charset="0"/>
+            </a:endParaRPr>
+          </a:p>
+          <a:p>
             <a:r>
               <a:rPr lang="ru-RU" sz="3600" dirty="0">
                 <a:latin typeface="Arial" panose="020B0604020202020204" pitchFamily="34" charset="0"/>
                 <a:cs typeface="Arial" panose="020B0604020202020204" pitchFamily="34" charset="0"/>
               </a:rPr>
-              <a:t>,</a:t>
+              <a:t>если требуется посещение всех вершин </a:t>
             </a:r>
+          </a:p>
+          <a:p>
+            <a:endParaRPr lang="ru-RU" sz="3600" dirty="0">
+              <a:latin typeface="Arial" panose="020B0604020202020204" pitchFamily="34" charset="0"/>
+              <a:cs typeface="Arial" panose="020B0604020202020204" pitchFamily="34" charset="0"/>
+            </a:endParaRPr>
           </a:p>
           <a:p>
             <a:r>
@@ -36266,7 +36359,7 @@
                 <a:latin typeface="Arial" panose="020B0604020202020204" pitchFamily="34" charset="0"/>
                 <a:cs typeface="Arial" panose="020B0604020202020204" pitchFamily="34" charset="0"/>
               </a:rPr>
-              <a:t>но если требуется найти путь к одной вершине, </a:t>
+              <a:t>алгоритм А*</a:t>
             </a:r>
           </a:p>
           <a:p>
@@ -36275,7 +36368,7 @@
                 <a:latin typeface="Arial" panose="020B0604020202020204" pitchFamily="34" charset="0"/>
                 <a:cs typeface="Arial" panose="020B0604020202020204" pitchFamily="34" charset="0"/>
               </a:rPr>
-              <a:t>	то алгоритм А* будет предпочтительнее</a:t>
+              <a:t>если требуется найти путь к одной вершине </a:t>
             </a:r>
           </a:p>
         </p:txBody>
@@ -36628,8 +36721,8 @@
           </a:p>
         </p:txBody>
       </p:sp>
-      <mc:AlternateContent xmlns:mc="http://schemas.openxmlformats.org/markup-compatibility/2006">
-        <mc:Choice xmlns:a14="http://schemas.microsoft.com/office/drawing/2010/main" Requires="a14">
+      <mc:AlternateContent xmlns:mc="http://schemas.openxmlformats.org/markup-compatibility/2006" xmlns:a14="http://schemas.microsoft.com/office/drawing/2010/main">
+        <mc:Choice Requires="a14">
           <p:sp>
             <p:nvSpPr>
               <p:cNvPr id="5" name="TextBox 4">
@@ -36775,7 +36868,7 @@
             </p:txBody>
           </p:sp>
         </mc:Choice>
-        <mc:Fallback>
+        <mc:Fallback xmlns="">
           <p:sp>
             <p:nvSpPr>
               <p:cNvPr id="5" name="TextBox 4">
@@ -37534,7 +37627,7 @@
         <p:spPr>
           <a:xfrm>
             <a:off x="695324" y="2137209"/>
-            <a:ext cx="10443012" cy="3539430"/>
+            <a:ext cx="10443012" cy="3908762"/>
           </a:xfrm>
           <a:prstGeom prst="rect">
             <a:avLst/>
@@ -37552,7 +37645,7 @@
                 <a:latin typeface="Arial" panose="020B0604020202020204" pitchFamily="34" charset="0"/>
                 <a:cs typeface="Arial" panose="020B0604020202020204" pitchFamily="34" charset="0"/>
               </a:rPr>
-              <a:t>Выложен на </a:t>
+              <a:t>Выложены на </a:t>
             </a:r>
             <a:r>
               <a:rPr lang="en-US" sz="3200" dirty="0" err="1">
@@ -37570,6 +37663,12 @@
             </a:r>
           </a:p>
           <a:p>
+            <a:endParaRPr lang="ru-RU" sz="1200" dirty="0">
+              <a:latin typeface="Arial" panose="020B0604020202020204" pitchFamily="34" charset="0"/>
+              <a:cs typeface="Arial" panose="020B0604020202020204" pitchFamily="34" charset="0"/>
+            </a:endParaRPr>
+          </a:p>
+          <a:p>
             <a:r>
               <a:rPr lang="ru-RU" sz="3200" dirty="0">
                 <a:latin typeface="Arial" panose="020B0604020202020204" pitchFamily="34" charset="0"/>
@@ -37615,13 +37714,13 @@
             </a:r>
           </a:p>
           <a:p>
-            <a:r>
-              <a:rPr lang="ru-RU" sz="3200" dirty="0">
-                <a:latin typeface="Arial" panose="020B0604020202020204" pitchFamily="34" charset="0"/>
-                <a:cs typeface="Arial" panose="020B0604020202020204" pitchFamily="34" charset="0"/>
-              </a:rPr>
-              <a:t>      </a:t>
-            </a:r>
+            <a:endParaRPr lang="ru-RU" sz="1200" dirty="0">
+              <a:latin typeface="Arial" panose="020B0604020202020204" pitchFamily="34" charset="0"/>
+              <a:cs typeface="Arial" panose="020B0604020202020204" pitchFamily="34" charset="0"/>
+              <a:hlinkClick r:id="rId2"/>
+            </a:endParaRPr>
+          </a:p>
+          <a:p>
             <a:r>
               <a:rPr lang="en-US" sz="3200" dirty="0">
                 <a:hlinkClick r:id="rId2"/>
@@ -37947,7 +38046,7 @@
         </p:nvGrpSpPr>
         <p:grpSpPr>
           <a:xfrm>
-            <a:off x="1053664" y="2832494"/>
+            <a:off x="1053664" y="3017735"/>
             <a:ext cx="293125" cy="293125"/>
             <a:chOff x="1174988" y="3345558"/>
             <a:chExt cx="244468" cy="244468"/>
@@ -38074,7 +38173,7 @@
         </p:nvGrpSpPr>
         <p:grpSpPr>
           <a:xfrm>
-            <a:off x="1053664" y="3313498"/>
+            <a:off x="1053664" y="3498739"/>
             <a:ext cx="293125" cy="293125"/>
             <a:chOff x="1174988" y="3345558"/>
             <a:chExt cx="244468" cy="244468"/>
@@ -38201,7 +38300,7 @@
         </p:nvGrpSpPr>
         <p:grpSpPr>
           <a:xfrm>
-            <a:off x="1053664" y="3794502"/>
+            <a:off x="1053664" y="3979743"/>
             <a:ext cx="293125" cy="293125"/>
             <a:chOff x="1174988" y="3345558"/>
             <a:chExt cx="244468" cy="244468"/>
@@ -38328,7 +38427,7 @@
         </p:nvGrpSpPr>
         <p:grpSpPr>
           <a:xfrm>
-            <a:off x="1053664" y="4267302"/>
+            <a:off x="1053664" y="4452543"/>
             <a:ext cx="293125" cy="293125"/>
             <a:chOff x="1174988" y="3345558"/>
             <a:chExt cx="244468" cy="244468"/>
@@ -38455,7 +38554,7 @@
         </p:nvGrpSpPr>
         <p:grpSpPr>
           <a:xfrm>
-            <a:off x="1053664" y="4775350"/>
+            <a:off x="1053664" y="4960591"/>
             <a:ext cx="293125" cy="293125"/>
             <a:chOff x="1174988" y="3345558"/>
             <a:chExt cx="244468" cy="244468"/>
@@ -40567,8 +40666,8 @@
         </p:nvSpPr>
         <p:spPr>
           <a:xfrm>
-            <a:off x="1320362" y="4993330"/>
-            <a:ext cx="890752" cy="483476"/>
+            <a:off x="1245477" y="4685906"/>
+            <a:ext cx="756744" cy="424639"/>
           </a:xfrm>
           <a:prstGeom prst="rect">
             <a:avLst/>
@@ -40619,8 +40718,8 @@
         </p:nvSpPr>
         <p:spPr>
           <a:xfrm>
-            <a:off x="1320362" y="3913790"/>
-            <a:ext cx="890752" cy="483476"/>
+            <a:off x="1245477" y="3704897"/>
+            <a:ext cx="756744" cy="456173"/>
           </a:xfrm>
           <a:prstGeom prst="rect">
             <a:avLst/>
@@ -40671,8 +40770,8 @@
         </p:nvSpPr>
         <p:spPr>
           <a:xfrm>
-            <a:off x="1320362" y="3429000"/>
-            <a:ext cx="342900" cy="354724"/>
+            <a:off x="1245477" y="3283173"/>
+            <a:ext cx="315309" cy="331072"/>
           </a:xfrm>
           <a:prstGeom prst="rect">
             <a:avLst/>
@@ -40776,7 +40875,7 @@
         <p:spPr>
           <a:xfrm>
             <a:off x="453260" y="2141090"/>
-            <a:ext cx="11043416" cy="3970318"/>
+            <a:ext cx="11043416" cy="3539430"/>
           </a:xfrm>
           <a:prstGeom prst="rect">
             <a:avLst/>
@@ -40791,44 +40890,44 @@
           <a:p>
             <a:pPr algn="ctr"/>
             <a:r>
-              <a:rPr lang="ru-RU" sz="3600" b="1" dirty="0"/>
+              <a:rPr lang="ru-RU" sz="3200" b="1" dirty="0"/>
               <a:t>𝑓(𝑣) = 𝑔(𝑣) + ℎ(𝑣)</a:t>
             </a:r>
           </a:p>
           <a:p>
             <a:pPr algn="ctr"/>
-            <a:endParaRPr lang="ru-RU" sz="3600" b="1" dirty="0"/>
+            <a:endParaRPr lang="ru-RU" sz="3200" b="1" dirty="0"/>
           </a:p>
           <a:p>
             <a:r>
-              <a:rPr lang="ru-RU" sz="3600" dirty="0"/>
+              <a:rPr lang="ru-RU" sz="3200" dirty="0"/>
               <a:t>где  𝑣</a:t>
             </a:r>
             <a:r>
-              <a:rPr lang="ru-RU" sz="3600" i="1" dirty="0"/>
+              <a:rPr lang="ru-RU" sz="3200" i="1" dirty="0"/>
               <a:t>      </a:t>
             </a:r>
             <a:r>
-              <a:rPr lang="ru-RU" sz="3600" dirty="0"/>
+              <a:rPr lang="ru-RU" sz="3200" dirty="0"/>
               <a:t>— текущая вершина,</a:t>
             </a:r>
           </a:p>
           <a:p>
             <a:r>
-              <a:rPr lang="ru-RU" sz="3600" dirty="0"/>
-              <a:t>        𝑔(𝑣) — наименьшая стоимость пути в 𝑣 из         		             указанной начальной вершины,</a:t>
+              <a:rPr lang="ru-RU" sz="3200" dirty="0"/>
+              <a:t>        𝑔(𝑣) — наименьшая стоимость пути в 𝑣 из         		             		  указанной начальной вершины,</a:t>
             </a:r>
           </a:p>
           <a:p>
             <a:r>
-              <a:rPr lang="ru-RU" sz="3600" dirty="0"/>
+              <a:rPr lang="ru-RU" sz="3200" dirty="0"/>
               <a:t>        ℎ(𝑣) — эвристическое приближение </a:t>
             </a:r>
           </a:p>
           <a:p>
             <a:r>
-              <a:rPr lang="ru-RU" sz="3600" dirty="0"/>
-              <a:t>		    стоимости пути от 𝑣 до конечной вершины</a:t>
+              <a:rPr lang="ru-RU" sz="3200" dirty="0"/>
+              <a:t>		  стоимости пути от 𝑣 до конечной вершины</a:t>
             </a:r>
           </a:p>
         </p:txBody>
@@ -41187,7 +41286,7 @@
         </p:blipFill>
         <p:spPr>
           <a:xfrm>
-            <a:off x="6096000" y="2654023"/>
+            <a:off x="6084179" y="2646141"/>
             <a:ext cx="2109952" cy="485775"/>
           </a:xfrm>
           <a:prstGeom prst="rect">
@@ -41226,81 +41325,83 @@
               <a:lstStyle/>
               <a:p>
                 <a:r>
-                  <a:rPr lang="ru-RU" sz="3600" dirty="0"/>
+                  <a:rPr lang="ru-RU" sz="3600" dirty="0">
+                    <a:cs typeface="Arial" panose="020B0604020202020204" pitchFamily="34" charset="0"/>
+                  </a:rPr>
                   <a:t>Эвристическая оценка ℎ(𝑣) допустима,</a:t>
                 </a:r>
-                <a:endParaRPr lang="en-US" sz="3600" dirty="0"/>
+                <a:endParaRPr lang="en-US" sz="3600" dirty="0">
+                  <a:cs typeface="Arial" panose="020B0604020202020204" pitchFamily="34" charset="0"/>
+                </a:endParaRPr>
               </a:p>
               <a:p>
                 <a:r>
-                  <a:rPr lang="ru-RU" sz="3600" dirty="0"/>
+                  <a:rPr lang="ru-RU" sz="3600" dirty="0">
+                    <a:cs typeface="Arial" panose="020B0604020202020204" pitchFamily="34" charset="0"/>
+                  </a:rPr>
                   <a:t>	если для любой вершины 𝑣 </a:t>
                 </a:r>
-                <a:endParaRPr lang="en-US" sz="3600" dirty="0"/>
+                <a:endParaRPr lang="en-US" sz="3600" dirty="0">
+                  <a:cs typeface="Arial" panose="020B0604020202020204" pitchFamily="34" charset="0"/>
+                </a:endParaRPr>
               </a:p>
               <a:p>
                 <a:r>
-                  <a:rPr lang="ru-RU" sz="3600" dirty="0"/>
+                  <a:rPr lang="ru-RU" sz="3600" dirty="0">
+                    <a:cs typeface="Arial" panose="020B0604020202020204" pitchFamily="34" charset="0"/>
+                  </a:rPr>
                   <a:t>	</a:t>
                 </a:r>
                 <a14:m>
                   <m:oMath xmlns:m="http://schemas.openxmlformats.org/officeDocument/2006/math">
                     <m:r>
-                      <a:rPr lang="en-US" sz="3600" b="0" i="1" smtClean="0">
-                        <a:latin typeface="Cambria Math" panose="02040503050406030204" pitchFamily="18" charset="0"/>
-                      </a:rPr>
+                      <a:rPr lang="en-US" sz="3600" b="0" i="1" smtClean="0"/>
                       <m:t>h</m:t>
                     </m:r>
                     <m:d>
                       <m:dPr>
                         <m:ctrlPr>
-                          <a:rPr lang="en-US" sz="3600" b="0" i="1" smtClean="0">
-                            <a:latin typeface="Cambria Math" panose="02040503050406030204" pitchFamily="18" charset="0"/>
-                          </a:rPr>
+                          <a:rPr lang="en-US" sz="3600" b="0" i="1" smtClean="0"/>
                         </m:ctrlPr>
                       </m:dPr>
                       <m:e>
                         <m:r>
-                          <a:rPr lang="en-US" sz="3600" b="0" i="1" smtClean="0">
-                            <a:latin typeface="Cambria Math" panose="02040503050406030204" pitchFamily="18" charset="0"/>
-                          </a:rPr>
+                          <a:rPr lang="en-US" sz="3600" b="0" i="1" smtClean="0"/>
                           <m:t>𝑣</m:t>
                         </m:r>
                       </m:e>
                     </m:d>
                     <m:r>
                       <a:rPr lang="en-US" sz="3600" b="0" i="1" smtClean="0">
-                        <a:latin typeface="Cambria Math" panose="02040503050406030204" pitchFamily="18" charset="0"/>
                         <a:ea typeface="Cambria Math" panose="02040503050406030204" pitchFamily="18" charset="0"/>
                       </a:rPr>
                       <m:t>≤</m:t>
                     </m:r>
-                    <m:r>
-                      <a:rPr lang="ru-RU" sz="3600" b="0" i="1" smtClean="0">
-                        <a:latin typeface="Cambria Math" panose="02040503050406030204" pitchFamily="18" charset="0"/>
-                        <a:ea typeface="Cambria Math" panose="02040503050406030204" pitchFamily="18" charset="0"/>
-                      </a:rPr>
-                      <m:t>ВЕС искомого пути от </m:t>
-                    </m:r>
-                    <m:r>
-                      <a:rPr lang="en-US" sz="3600" b="0" i="1" smtClean="0">
-                        <a:latin typeface="Cambria Math" panose="02040503050406030204" pitchFamily="18" charset="0"/>
-                        <a:ea typeface="Cambria Math" panose="02040503050406030204" pitchFamily="18" charset="0"/>
-                      </a:rPr>
-                      <m:t>𝑣</m:t>
-                    </m:r>
-                    <m:r>
-                      <a:rPr lang="en-US" sz="3600" b="0" i="1" smtClean="0">
-                        <a:latin typeface="Cambria Math" panose="02040503050406030204" pitchFamily="18" charset="0"/>
-                        <a:ea typeface="Cambria Math" panose="02040503050406030204" pitchFamily="18" charset="0"/>
-                      </a:rPr>
-                      <m:t> до цели</m:t>
-                    </m:r>
                   </m:oMath>
                 </a14:m>
                 <a:r>
-                  <a:rPr lang="ru-RU" sz="3600" dirty="0"/>
-                  <a:t>.</a:t>
+                  <a:rPr lang="ru-RU" sz="3600" dirty="0">
+                    <a:cs typeface="Arial" panose="020B0604020202020204" pitchFamily="34" charset="0"/>
+                  </a:rPr>
+                  <a:t> </a:t>
+                </a:r>
+                <a:r>
+                  <a:rPr lang="ru-RU" sz="3600" i="1" dirty="0">
+                    <a:cs typeface="Arial" panose="020B0604020202020204" pitchFamily="34" charset="0"/>
+                  </a:rPr>
+                  <a:t>ВЕС искомого пути от </a:t>
+                </a:r>
+                <a:r>
+                  <a:rPr lang="ru-RU" sz="3600" dirty="0">
+                    <a:cs typeface="Arial" panose="020B0604020202020204" pitchFamily="34" charset="0"/>
+                  </a:rPr>
+                  <a:t>𝑣</a:t>
+                </a:r>
+                <a:r>
+                  <a:rPr lang="ru-RU" sz="3600" i="1" dirty="0">
+                    <a:cs typeface="Arial" panose="020B0604020202020204" pitchFamily="34" charset="0"/>
+                  </a:rPr>
+                  <a:t> до цели</a:t>
                 </a:r>
               </a:p>
             </p:txBody>
@@ -41332,7 +41433,7 @@
               <a:blipFill>
                 <a:blip r:embed="rId3"/>
                 <a:stretch>
-                  <a:fillRect l="-1693" t="-6250" b="-12153"/>
+                  <a:fillRect l="-1693" t="-6250" b="-12500"/>
                 </a:stretch>
               </a:blipFill>
             </p:spPr>
